--- a/project/Проект.pptx
+++ b/project/Проект.pptx
@@ -5222,16 +5222,20 @@
             <a:pPr algn="ctr" rtl="0"/>
             <a:r>
               <a:rPr lang="ru-RU" dirty="0">
-                <a:latin typeface="+mn-lt"/>
+                <a:latin typeface="Times New Roman" panose="02020603050405020304" pitchFamily="18" charset="0"/>
                 <a:cs typeface="Times New Roman" panose="02020603050405020304" pitchFamily="18" charset="0"/>
               </a:rPr>
               <a:t>Программа</a:t>
             </a:r>
             <a:r>
+              <a:rPr lang="ru-RU" dirty="0"/>
+              <a:t> </a:t>
+            </a:r>
+            <a:r>
               <a:rPr lang="ru-RU" dirty="0">
                 <a:latin typeface="+mn-lt"/>
               </a:rPr>
-              <a:t> для печати школьных аттестатов</a:t>
+              <a:t>для печати школьных аттестатов</a:t>
             </a:r>
             <a:endParaRPr lang="ru" dirty="0">
               <a:latin typeface="+mn-lt"/>
@@ -5514,6 +5518,13 @@
       </p:transition>
     </mc:Fallback>
   </mc:AlternateContent>
+  <p:timing>
+    <p:tnLst>
+      <p:par>
+        <p:cTn id="1" dur="indefinite" restart="never" nodeType="tmRoot"/>
+      </p:par>
+    </p:tnLst>
+  </p:timing>
 </p:sld>
 </file>
 
@@ -6274,6 +6285,13 @@
       </p:transition>
     </mc:Fallback>
   </mc:AlternateContent>
+  <p:timing>
+    <p:tnLst>
+      <p:par>
+        <p:cTn id="1" dur="indefinite" restart="never" nodeType="tmRoot"/>
+      </p:par>
+    </p:tnLst>
+  </p:timing>
 </p:sld>
 </file>
 
@@ -6554,6 +6572,13 @@
       </p:transition>
     </mc:Fallback>
   </mc:AlternateContent>
+  <p:timing>
+    <p:tnLst>
+      <p:par>
+        <p:cTn id="1" dur="indefinite" restart="never" nodeType="tmRoot"/>
+      </p:par>
+    </p:tnLst>
+  </p:timing>
 </p:sld>
 </file>
 
@@ -6835,6 +6860,13 @@
       </p:transition>
     </mc:Fallback>
   </mc:AlternateContent>
+  <p:timing>
+    <p:tnLst>
+      <p:par>
+        <p:cTn id="1" dur="indefinite" restart="never" nodeType="tmRoot"/>
+      </p:par>
+    </p:tnLst>
+  </p:timing>
 </p:sld>
 </file>
 
@@ -6966,13 +6998,13 @@
             <p:nvPr/>
           </p:nvPicPr>
           <p:blipFill>
-            <a:blip r:embed="rId2">
+            <a:blip r:embed="rId2" cstate="print">
               <a:extLst>
                 <a:ext uri="{28A0092B-C50C-407E-A947-70E740481C1C}">
                   <a14:useLocalDpi xmlns:a14="http://schemas.microsoft.com/office/drawing/2010/main" val="0"/>
                 </a:ext>
                 <a:ext uri="{96DAC541-7B7A-43D3-8B79-37D633B846F1}">
-                  <asvg:svgBlip xmlns:asvg="http://schemas.microsoft.com/office/drawing/2016/SVG/main" r:embed="rId3"/>
+                  <asvg:svgBlip xmlns:asvg="http://schemas.microsoft.com/office/drawing/2016/SVG/main" xmlns="" r:embed="rId3"/>
                 </a:ext>
               </a:extLst>
             </a:blip>
@@ -7061,13 +7093,13 @@
             <p:nvPr/>
           </p:nvPicPr>
           <p:blipFill>
-            <a:blip r:embed="rId4">
+            <a:blip r:embed="rId4" cstate="print">
               <a:extLst>
                 <a:ext uri="{28A0092B-C50C-407E-A947-70E740481C1C}">
                   <a14:useLocalDpi xmlns:a14="http://schemas.microsoft.com/office/drawing/2010/main" val="0"/>
                 </a:ext>
                 <a:ext uri="{96DAC541-7B7A-43D3-8B79-37D633B846F1}">
-                  <asvg:svgBlip xmlns:asvg="http://schemas.microsoft.com/office/drawing/2016/SVG/main" r:embed="rId5"/>
+                  <asvg:svgBlip xmlns:asvg="http://schemas.microsoft.com/office/drawing/2016/SVG/main" xmlns="" r:embed="rId5"/>
                 </a:ext>
               </a:extLst>
             </a:blip>
@@ -7330,6 +7362,13 @@
       </p:transition>
     </mc:Fallback>
   </mc:AlternateContent>
+  <p:timing>
+    <p:tnLst>
+      <p:par>
+        <p:cTn id="1" dur="indefinite" restart="never" nodeType="tmRoot"/>
+      </p:par>
+    </p:tnLst>
+  </p:timing>
 </p:sld>
 </file>
 
@@ -7538,6 +7577,13 @@
       </p:transition>
     </mc:Fallback>
   </mc:AlternateContent>
+  <p:timing>
+    <p:tnLst>
+      <p:par>
+        <p:cTn id="1" dur="indefinite" restart="never" nodeType="tmRoot"/>
+      </p:par>
+    </p:tnLst>
+  </p:timing>
 </p:sld>
 </file>
 
@@ -7889,6 +7935,13 @@
       </p:transition>
     </mc:Fallback>
   </mc:AlternateContent>
+  <p:timing>
+    <p:tnLst>
+      <p:par>
+        <p:cTn id="1" dur="indefinite" restart="never" nodeType="tmRoot"/>
+      </p:par>
+    </p:tnLst>
+  </p:timing>
 </p:sld>
 </file>
 
@@ -8155,6 +8208,13 @@
       </p:transition>
     </mc:Fallback>
   </mc:AlternateContent>
+  <p:timing>
+    <p:tnLst>
+      <p:par>
+        <p:cTn id="1" dur="indefinite" restart="never" nodeType="tmRoot"/>
+      </p:par>
+    </p:tnLst>
+  </p:timing>
 </p:sld>
 </file>
 
@@ -8371,6 +8431,13 @@
       </p:transition>
     </mc:Fallback>
   </mc:AlternateContent>
+  <p:timing>
+    <p:tnLst>
+      <p:par>
+        <p:cTn id="1" dur="indefinite" restart="never" nodeType="tmRoot"/>
+      </p:par>
+    </p:tnLst>
+  </p:timing>
 </p:sld>
 </file>
 
@@ -8442,7 +8509,7 @@
         <p:spPr>
           <a:xfrm>
             <a:off x="837828" y="824518"/>
-            <a:ext cx="10441160" cy="3785652"/>
+            <a:ext cx="10441160" cy="2677656"/>
           </a:xfrm>
           <a:prstGeom prst="rect">
             <a:avLst/>
@@ -8461,14 +8528,75 @@
                 <a:latin typeface="Times New Roman" panose="02020603050405020304" pitchFamily="18" charset="0"/>
                 <a:ea typeface="Calibri" panose="020F0502020204030204" pitchFamily="34" charset="0"/>
               </a:rPr>
-              <a:t>В итоге мы сделали модель программы по печати школьных аттестатов. Данная программа умеет хранить данные выпускников и печатать титульный лист аттестата. В программе также можно редактировать и изменять данные выпускников и основные параметры учебного заведения, менять разметку в шаблоне. Но несмотря на это программе не хватает многого функционала, такого как</a:t>
-            </a:r>
-            <a:r>
-              <a:rPr lang="en-US" dirty="0">
+              <a:t>В итоге мы сделали модель программы по печати школьных аттестатов. </a:t>
+            </a:r>
+            <a:r>
+              <a:rPr lang="ru-RU" dirty="0" smtClean="0">
                 <a:effectLst/>
                 <a:latin typeface="Times New Roman" panose="02020603050405020304" pitchFamily="18" charset="0"/>
                 <a:ea typeface="Calibri" panose="020F0502020204030204" pitchFamily="34" charset="0"/>
               </a:rPr>
+              <a:t>Я научился создавать интерфейс и работать с ним, также работать с </a:t>
+            </a:r>
+            <a:r>
+              <a:rPr lang="en-US" dirty="0" smtClean="0">
+                <a:effectLst/>
+                <a:latin typeface="Times New Roman" panose="02020603050405020304" pitchFamily="18" charset="0"/>
+                <a:ea typeface="Calibri" panose="020F0502020204030204" pitchFamily="34" charset="0"/>
+              </a:rPr>
+              <a:t>Excel </a:t>
+            </a:r>
+            <a:r>
+              <a:rPr lang="ru-RU" dirty="0" smtClean="0">
+                <a:effectLst/>
+                <a:latin typeface="Times New Roman" panose="02020603050405020304" pitchFamily="18" charset="0"/>
+                <a:ea typeface="Calibri" panose="020F0502020204030204" pitchFamily="34" charset="0"/>
+              </a:rPr>
+              <a:t>и</a:t>
+            </a:r>
+            <a:r>
+              <a:rPr lang="en-US" dirty="0" smtClean="0">
+                <a:effectLst/>
+                <a:latin typeface="Times New Roman" panose="02020603050405020304" pitchFamily="18" charset="0"/>
+                <a:ea typeface="Calibri" panose="020F0502020204030204" pitchFamily="34" charset="0"/>
+              </a:rPr>
+              <a:t> PDF </a:t>
+            </a:r>
+            <a:r>
+              <a:rPr lang="ru-RU" dirty="0" smtClean="0">
+                <a:effectLst/>
+                <a:latin typeface="Times New Roman" panose="02020603050405020304" pitchFamily="18" charset="0"/>
+                <a:ea typeface="Calibri" panose="020F0502020204030204" pitchFamily="34" charset="0"/>
+              </a:rPr>
+              <a:t>файлами, создавать </a:t>
+            </a:r>
+            <a:r>
+              <a:rPr lang="en-US" dirty="0" err="1" smtClean="0">
+                <a:effectLst/>
+                <a:latin typeface="Times New Roman" panose="02020603050405020304" pitchFamily="18" charset="0"/>
+                <a:ea typeface="Calibri" panose="020F0502020204030204" pitchFamily="34" charset="0"/>
+              </a:rPr>
+              <a:t>Qr</a:t>
+            </a:r>
+            <a:r>
+              <a:rPr lang="en-US" dirty="0" smtClean="0">
+                <a:latin typeface="Times New Roman" panose="02020603050405020304" pitchFamily="18" charset="0"/>
+                <a:ea typeface="Calibri" panose="020F0502020204030204" pitchFamily="34" charset="0"/>
+              </a:rPr>
+              <a:t>-</a:t>
+            </a:r>
+            <a:r>
+              <a:rPr lang="ru-RU" dirty="0" smtClean="0">
+                <a:latin typeface="Times New Roman" panose="02020603050405020304" pitchFamily="18" charset="0"/>
+                <a:ea typeface="Calibri" panose="020F0502020204030204" pitchFamily="34" charset="0"/>
+              </a:rPr>
+              <a:t>код. Программа способна</a:t>
+            </a:r>
+            <a:r>
+              <a:rPr lang="en-US" dirty="0" smtClean="0">
+                <a:latin typeface="Times New Roman" panose="02020603050405020304" pitchFamily="18" charset="0"/>
+                <a:ea typeface="Calibri" panose="020F0502020204030204" pitchFamily="34" charset="0"/>
+              </a:rPr>
               <a:t>:</a:t>
             </a:r>
           </a:p>
@@ -8478,58 +8606,203 @@
               <a:buAutoNum type="arabicPeriod"/>
             </a:pPr>
             <a:r>
+              <a:rPr lang="ru-RU" dirty="0" smtClean="0">
+                <a:latin typeface="Times New Roman" panose="02020603050405020304" pitchFamily="18" charset="0"/>
+                <a:ea typeface="Calibri" panose="020F0502020204030204" pitchFamily="34" charset="0"/>
+              </a:rPr>
+              <a:t>Выгружать данные с </a:t>
+            </a:r>
+            <a:r>
+              <a:rPr lang="en-US" dirty="0" smtClean="0">
+                <a:latin typeface="Times New Roman" panose="02020603050405020304" pitchFamily="18" charset="0"/>
+                <a:ea typeface="Calibri" panose="020F0502020204030204" pitchFamily="34" charset="0"/>
+              </a:rPr>
+              <a:t>Excel </a:t>
+            </a:r>
+            <a:r>
+              <a:rPr lang="ru-RU" dirty="0" smtClean="0">
+                <a:latin typeface="Times New Roman" panose="02020603050405020304" pitchFamily="18" charset="0"/>
+                <a:ea typeface="Calibri" panose="020F0502020204030204" pitchFamily="34" charset="0"/>
+              </a:rPr>
+              <a:t>файла</a:t>
+            </a:r>
+          </a:p>
+          <a:p>
+            <a:pPr marL="1066693" lvl="1" indent="-457200">
+              <a:buFont typeface="+mj-lt"/>
+              <a:buAutoNum type="arabicPeriod"/>
+            </a:pPr>
+            <a:r>
+              <a:rPr lang="ru-RU" dirty="0" smtClean="0">
+                <a:effectLst/>
+                <a:latin typeface="Times New Roman" panose="02020603050405020304" pitchFamily="18" charset="0"/>
+                <a:ea typeface="Calibri" panose="020F0502020204030204" pitchFamily="34" charset="0"/>
+              </a:rPr>
+              <a:t>Хранить данные выпускников</a:t>
+            </a:r>
+          </a:p>
+          <a:p>
+            <a:pPr marL="1066693" lvl="1" indent="-457200">
+              <a:buFont typeface="+mj-lt"/>
+              <a:buAutoNum type="arabicPeriod"/>
+            </a:pPr>
+            <a:r>
+              <a:rPr lang="ru-RU" dirty="0" smtClean="0">
+                <a:latin typeface="Times New Roman" panose="02020603050405020304" pitchFamily="18" charset="0"/>
+                <a:ea typeface="Calibri" panose="020F0502020204030204" pitchFamily="34" charset="0"/>
+              </a:rPr>
+              <a:t>Создавать </a:t>
+            </a:r>
+            <a:r>
+              <a:rPr lang="en-US" dirty="0" smtClean="0">
+                <a:latin typeface="Times New Roman" panose="02020603050405020304" pitchFamily="18" charset="0"/>
+                <a:ea typeface="Calibri" panose="020F0502020204030204" pitchFamily="34" charset="0"/>
+              </a:rPr>
+              <a:t>PDF </a:t>
+            </a:r>
+            <a:r>
+              <a:rPr lang="ru-RU" dirty="0" smtClean="0">
+                <a:latin typeface="Times New Roman" panose="02020603050405020304" pitchFamily="18" charset="0"/>
+                <a:ea typeface="Calibri" panose="020F0502020204030204" pitchFamily="34" charset="0"/>
+              </a:rPr>
+              <a:t>файл для печати титульного листа аттестата</a:t>
+            </a:r>
+          </a:p>
+          <a:p>
+            <a:pPr marL="1066693" lvl="1" indent="-457200">
+              <a:buFont typeface="+mj-lt"/>
+              <a:buAutoNum type="arabicPeriod"/>
+            </a:pPr>
+            <a:r>
+              <a:rPr lang="ru-RU" dirty="0" smtClean="0">
+                <a:effectLst/>
+                <a:latin typeface="Times New Roman" panose="02020603050405020304" pitchFamily="18" charset="0"/>
+                <a:ea typeface="Calibri" panose="020F0502020204030204" pitchFamily="34" charset="0"/>
+              </a:rPr>
+              <a:t>Создавать </a:t>
+            </a:r>
+            <a:r>
+              <a:rPr lang="en-US" dirty="0" err="1" smtClean="0">
+                <a:effectLst/>
+                <a:latin typeface="Times New Roman" panose="02020603050405020304" pitchFamily="18" charset="0"/>
+                <a:ea typeface="Calibri" panose="020F0502020204030204" pitchFamily="34" charset="0"/>
+              </a:rPr>
+              <a:t>Qr</a:t>
+            </a:r>
+            <a:r>
+              <a:rPr lang="en-US" dirty="0" smtClean="0">
+                <a:effectLst/>
+                <a:latin typeface="Times New Roman" panose="02020603050405020304" pitchFamily="18" charset="0"/>
+                <a:ea typeface="Calibri" panose="020F0502020204030204" pitchFamily="34" charset="0"/>
+              </a:rPr>
+              <a:t>-</a:t>
+            </a:r>
+            <a:r>
+              <a:rPr lang="ru-RU" dirty="0" smtClean="0">
+                <a:effectLst/>
+                <a:latin typeface="Times New Roman" panose="02020603050405020304" pitchFamily="18" charset="0"/>
+                <a:ea typeface="Calibri" panose="020F0502020204030204" pitchFamily="34" charset="0"/>
+              </a:rPr>
+              <a:t>код </a:t>
+            </a:r>
+            <a:r>
               <a:rPr lang="ru-RU" dirty="0">
                 <a:latin typeface="Times New Roman" panose="02020603050405020304" pitchFamily="18" charset="0"/>
                 <a:ea typeface="Calibri" panose="020F0502020204030204" pitchFamily="34" charset="0"/>
               </a:rPr>
-              <a:t>Печать оценок и справок</a:t>
-            </a:r>
-          </a:p>
-          <a:p>
-            <a:pPr marL="1066693" lvl="1" indent="-457200">
-              <a:buFont typeface="+mj-lt"/>
-              <a:buAutoNum type="arabicPeriod"/>
-            </a:pPr>
+              <a:t>для титульного листа аттестата</a:t>
+            </a:r>
+            <a:endParaRPr lang="ru-RU" dirty="0" smtClean="0">
+              <a:effectLst/>
+              <a:latin typeface="Times New Roman" panose="02020603050405020304" pitchFamily="18" charset="0"/>
+              <a:ea typeface="Calibri" panose="020F0502020204030204" pitchFamily="34" charset="0"/>
+            </a:endParaRPr>
+          </a:p>
+        </p:txBody>
+      </p:sp>
+      <p:pic>
+        <p:nvPicPr>
+          <p:cNvPr id="4" name="Рисунок 3"/>
+          <p:cNvPicPr>
+            <a:picLocks noChangeAspect="1"/>
+          </p:cNvPicPr>
+          <p:nvPr/>
+        </p:nvPicPr>
+        <p:blipFill>
+          <a:blip r:embed="rId2"/>
+          <a:stretch>
+            <a:fillRect/>
+          </a:stretch>
+        </p:blipFill>
+        <p:spPr>
+          <a:xfrm>
+            <a:off x="405780" y="3645024"/>
+            <a:ext cx="4896544" cy="3034549"/>
+          </a:xfrm>
+          <a:prstGeom prst="rect">
+            <a:avLst/>
+          </a:prstGeom>
+        </p:spPr>
+      </p:pic>
+      <p:sp>
+        <p:nvSpPr>
+          <p:cNvPr id="5" name="TextBox 4"/>
+          <p:cNvSpPr txBox="1"/>
+          <p:nvPr/>
+        </p:nvSpPr>
+        <p:spPr>
+          <a:xfrm>
+            <a:off x="5302324" y="3645024"/>
+            <a:ext cx="3744416" cy="1200329"/>
+          </a:xfrm>
+          <a:prstGeom prst="rect">
+            <a:avLst/>
+          </a:prstGeom>
+          <a:noFill/>
+        </p:spPr>
+        <p:txBody>
+          <a:bodyPr wrap="square" rtlCol="0">
+            <a:spAutoFit/>
+          </a:bodyPr>
+          <a:lstStyle/>
+          <a:p>
+            <a:pPr marL="0" lvl="1"/>
+            <a:r>
+              <a:rPr lang="ru-RU" dirty="0" smtClean="0"/>
+              <a:t>Пример </a:t>
+            </a:r>
+            <a:r>
+              <a:rPr lang="ru-RU" dirty="0" smtClean="0">
+                <a:latin typeface="Times New Roman" panose="02020603050405020304" pitchFamily="18" charset="0"/>
+                <a:ea typeface="Calibri" panose="020F0502020204030204" pitchFamily="34" charset="0"/>
+              </a:rPr>
+              <a:t>титульного </a:t>
+            </a:r>
             <a:r>
               <a:rPr lang="ru-RU" dirty="0">
                 <a:latin typeface="Times New Roman" panose="02020603050405020304" pitchFamily="18" charset="0"/>
                 <a:ea typeface="Calibri" panose="020F0502020204030204" pitchFamily="34" charset="0"/>
               </a:rPr>
-              <a:t>Добавление и удаление выпускников</a:t>
-            </a:r>
-          </a:p>
-          <a:p>
-            <a:pPr marL="1066693" lvl="1" indent="-457200">
-              <a:buFont typeface="+mj-lt"/>
-              <a:buAutoNum type="arabicPeriod"/>
-            </a:pPr>
-            <a:r>
-              <a:rPr lang="ru-RU" dirty="0">
-                <a:effectLst/>
+              <a:t>листа </a:t>
+            </a:r>
+            <a:r>
+              <a:rPr lang="ru-RU" dirty="0" smtClean="0">
                 <a:latin typeface="Times New Roman" panose="02020603050405020304" pitchFamily="18" charset="0"/>
                 <a:ea typeface="Calibri" panose="020F0502020204030204" pitchFamily="34" charset="0"/>
               </a:rPr>
-              <a:t>Изменение, редактирование, удаление предметов</a:t>
-            </a:r>
-          </a:p>
-          <a:p>
-            <a:pPr marL="1066693" lvl="1" indent="-457200">
-              <a:buFont typeface="+mj-lt"/>
-              <a:buAutoNum type="arabicPeriod"/>
-            </a:pPr>
-            <a:r>
-              <a:rPr lang="ru-RU" dirty="0">
-                <a:effectLst/>
-                <a:latin typeface="Times New Roman" panose="02020603050405020304" pitchFamily="18" charset="0"/>
-                <a:ea typeface="Calibri" panose="020F0502020204030204" pitchFamily="34" charset="0"/>
-              </a:rPr>
-              <a:t>Предпросмотр печати</a:t>
-            </a:r>
-            <a:endParaRPr lang="en-US" dirty="0">
-              <a:effectLst/>
+              <a:t>аттестата для печати</a:t>
+            </a:r>
+            <a:endParaRPr lang="ru-RU" dirty="0">
               <a:latin typeface="Times New Roman" panose="02020603050405020304" pitchFamily="18" charset="0"/>
               <a:ea typeface="Calibri" panose="020F0502020204030204" pitchFamily="34" charset="0"/>
             </a:endParaRPr>
+          </a:p>
+          <a:p>
+            <a:r>
+              <a:rPr lang="ru-RU" dirty="0" smtClean="0"/>
+              <a:t> </a:t>
+            </a:r>
+            <a:endParaRPr lang="ru-RU" sz="2800" dirty="0"/>
           </a:p>
         </p:txBody>
       </p:sp>
@@ -8555,6 +8828,13 @@
       </p:transition>
     </mc:Fallback>
   </mc:AlternateContent>
+  <p:timing>
+    <p:tnLst>
+      <p:par>
+        <p:cTn id="1" dur="indefinite" restart="never" nodeType="tmRoot"/>
+      </p:par>
+    </p:tnLst>
+  </p:timing>
 </p:sld>
 </file>
 
@@ -9509,6 +9789,142 @@
 </file>
 
 <file path=customXml/item1.xml><?xml version="1.0" encoding="utf-8"?>
+<p:properties xmlns:p="http://schemas.microsoft.com/office/2006/metadata/properties" xmlns:xsi="http://www.w3.org/2001/XMLSchema-instance" xmlns:pc="http://schemas.microsoft.com/office/infopath/2007/PartnerControls">
+  <documentManagement>
+    <LocPublishedLinkedAssetsLookup xmlns="4873beb7-5857-4685-be1f-d57550cc96cc" xsi:nil="true"/>
+    <ApprovalStatus xmlns="4873beb7-5857-4685-be1f-d57550cc96cc">InProgress</ApprovalStatus>
+    <MarketSpecific xmlns="4873beb7-5857-4685-be1f-d57550cc96cc">false</MarketSpecific>
+    <LocComments xmlns="4873beb7-5857-4685-be1f-d57550cc96cc" xsi:nil="true"/>
+    <LocLastLocAttemptVersionTypeLookup xmlns="4873beb7-5857-4685-be1f-d57550cc96cc" xsi:nil="true"/>
+    <DirectSourceMarket xmlns="4873beb7-5857-4685-be1f-d57550cc96cc" xsi:nil="true"/>
+    <ThumbnailAssetId xmlns="4873beb7-5857-4685-be1f-d57550cc96cc" xsi:nil="true"/>
+    <PrimaryImageGen xmlns="4873beb7-5857-4685-be1f-d57550cc96cc">false</PrimaryImageGen>
+    <LocNewPublishedVersionLookup xmlns="4873beb7-5857-4685-be1f-d57550cc96cc" xsi:nil="true"/>
+    <LegacyData xmlns="4873beb7-5857-4685-be1f-d57550cc96cc" xsi:nil="true"/>
+    <LocRecommendedHandoff xmlns="4873beb7-5857-4685-be1f-d57550cc96cc" xsi:nil="true"/>
+    <BusinessGroup xmlns="4873beb7-5857-4685-be1f-d57550cc96cc" xsi:nil="true"/>
+    <BlockPublish xmlns="4873beb7-5857-4685-be1f-d57550cc96cc">false</BlockPublish>
+    <TPFriendlyName xmlns="4873beb7-5857-4685-be1f-d57550cc96cc" xsi:nil="true"/>
+    <LocOverallPublishStatusLookup xmlns="4873beb7-5857-4685-be1f-d57550cc96cc" xsi:nil="true"/>
+    <NumericId xmlns="4873beb7-5857-4685-be1f-d57550cc96cc" xsi:nil="true"/>
+    <APEditor xmlns="4873beb7-5857-4685-be1f-d57550cc96cc">
+      <UserInfo>
+        <DisplayName/>
+        <AccountId xsi:nil="true"/>
+        <AccountType/>
+      </UserInfo>
+    </APEditor>
+    <SourceTitle xmlns="4873beb7-5857-4685-be1f-d57550cc96cc" xsi:nil="true"/>
+    <OpenTemplate xmlns="4873beb7-5857-4685-be1f-d57550cc96cc">true</OpenTemplate>
+    <LocOverallLocStatusLookup xmlns="4873beb7-5857-4685-be1f-d57550cc96cc" xsi:nil="true"/>
+    <UALocComments xmlns="4873beb7-5857-4685-be1f-d57550cc96cc" xsi:nil="true"/>
+    <ParentAssetId xmlns="4873beb7-5857-4685-be1f-d57550cc96cc" xsi:nil="true"/>
+    <IntlLangReviewDate xmlns="4873beb7-5857-4685-be1f-d57550cc96cc" xsi:nil="true"/>
+    <FeatureTagsTaxHTField0 xmlns="4873beb7-5857-4685-be1f-d57550cc96cc">
+      <Terms xmlns="http://schemas.microsoft.com/office/infopath/2007/PartnerControls"/>
+    </FeatureTagsTaxHTField0>
+    <PublishStatusLookup xmlns="4873beb7-5857-4685-be1f-d57550cc96cc">
+      <Value>1345093</Value>
+    </PublishStatusLookup>
+    <Providers xmlns="4873beb7-5857-4685-be1f-d57550cc96cc" xsi:nil="true"/>
+    <MachineTranslated xmlns="4873beb7-5857-4685-be1f-d57550cc96cc">false</MachineTranslated>
+    <OriginalSourceMarket xmlns="4873beb7-5857-4685-be1f-d57550cc96cc" xsi:nil="true"/>
+    <APDescription xmlns="4873beb7-5857-4685-be1f-d57550cc96cc">This simple template design works for technology and  businesses, but it's versatile enough to use in other contexts.  It features multiple slide layouts designed for widescreen (16x9 resolution) and includes a sample SmartArt list and chart that are easily editable.</APDescription>
+    <ClipArtFilename xmlns="4873beb7-5857-4685-be1f-d57550cc96cc" xsi:nil="true"/>
+    <ContentItem xmlns="4873beb7-5857-4685-be1f-d57550cc96cc" xsi:nil="true"/>
+    <TPInstallLocation xmlns="4873beb7-5857-4685-be1f-d57550cc96cc" xsi:nil="true"/>
+    <PublishTargets xmlns="4873beb7-5857-4685-be1f-d57550cc96cc">OfficeOnlineVNext</PublishTargets>
+    <TimesCloned xmlns="4873beb7-5857-4685-be1f-d57550cc96cc" xsi:nil="true"/>
+    <AssetStart xmlns="4873beb7-5857-4685-be1f-d57550cc96cc">2011-11-26T00:30:00+00:00</AssetStart>
+    <Provider xmlns="4873beb7-5857-4685-be1f-d57550cc96cc" xsi:nil="true"/>
+    <AcquiredFrom xmlns="4873beb7-5857-4685-be1f-d57550cc96cc">Internal MS</AcquiredFrom>
+    <FriendlyTitle xmlns="4873beb7-5857-4685-be1f-d57550cc96cc" xsi:nil="true"/>
+    <LastHandOff xmlns="4873beb7-5857-4685-be1f-d57550cc96cc" xsi:nil="true"/>
+    <TPClientViewer xmlns="4873beb7-5857-4685-be1f-d57550cc96cc" xsi:nil="true"/>
+    <TemplateStatus xmlns="4873beb7-5857-4685-be1f-d57550cc96cc">Complete</TemplateStatus>
+    <Downloads xmlns="4873beb7-5857-4685-be1f-d57550cc96cc">0</Downloads>
+    <OOCacheId xmlns="4873beb7-5857-4685-be1f-d57550cc96cc" xsi:nil="true"/>
+    <IsDeleted xmlns="4873beb7-5857-4685-be1f-d57550cc96cc">false</IsDeleted>
+    <LocPublishedDependentAssetsLookup xmlns="4873beb7-5857-4685-be1f-d57550cc96cc" xsi:nil="true"/>
+    <TPExecutable xmlns="4873beb7-5857-4685-be1f-d57550cc96cc" xsi:nil="true"/>
+    <EditorialTags xmlns="4873beb7-5857-4685-be1f-d57550cc96cc" xsi:nil="true"/>
+    <SubmitterId xmlns="4873beb7-5857-4685-be1f-d57550cc96cc" xsi:nil="true"/>
+    <ApprovalLog xmlns="4873beb7-5857-4685-be1f-d57550cc96cc" xsi:nil="true"/>
+    <AssetType xmlns="4873beb7-5857-4685-be1f-d57550cc96cc">TP</AssetType>
+    <BugNumber xmlns="4873beb7-5857-4685-be1f-d57550cc96cc" xsi:nil="true"/>
+    <CSXSubmissionDate xmlns="4873beb7-5857-4685-be1f-d57550cc96cc" xsi:nil="true"/>
+    <CSXUpdate xmlns="4873beb7-5857-4685-be1f-d57550cc96cc">false</CSXUpdate>
+    <Milestone xmlns="4873beb7-5857-4685-be1f-d57550cc96cc" xsi:nil="true"/>
+    <RecommendationsModifier xmlns="4873beb7-5857-4685-be1f-d57550cc96cc" xsi:nil="true"/>
+    <OriginAsset xmlns="4873beb7-5857-4685-be1f-d57550cc96cc" xsi:nil="true"/>
+    <TPComponent xmlns="4873beb7-5857-4685-be1f-d57550cc96cc" xsi:nil="true"/>
+    <AssetId xmlns="4873beb7-5857-4685-be1f-d57550cc96cc">TP102787989</AssetId>
+    <IntlLocPriority xmlns="4873beb7-5857-4685-be1f-d57550cc96cc" xsi:nil="true"/>
+    <PolicheckWords xmlns="4873beb7-5857-4685-be1f-d57550cc96cc" xsi:nil="true"/>
+    <TPLaunchHelpLink xmlns="4873beb7-5857-4685-be1f-d57550cc96cc" xsi:nil="true"/>
+    <TPApplication xmlns="4873beb7-5857-4685-be1f-d57550cc96cc" xsi:nil="true"/>
+    <CrawlForDependencies xmlns="4873beb7-5857-4685-be1f-d57550cc96cc">false</CrawlForDependencies>
+    <HandoffToMSDN xmlns="4873beb7-5857-4685-be1f-d57550cc96cc" xsi:nil="true"/>
+    <PlannedPubDate xmlns="4873beb7-5857-4685-be1f-d57550cc96cc" xsi:nil="true"/>
+    <IntlLangReviewer xmlns="4873beb7-5857-4685-be1f-d57550cc96cc" xsi:nil="true"/>
+    <TrustLevel xmlns="4873beb7-5857-4685-be1f-d57550cc96cc">1 Microsoft Managed Content</TrustLevel>
+    <LocLastLocAttemptVersionLookup xmlns="4873beb7-5857-4685-be1f-d57550cc96cc">694266</LocLastLocAttemptVersionLookup>
+    <LocProcessedForHandoffsLookup xmlns="4873beb7-5857-4685-be1f-d57550cc96cc" xsi:nil="true"/>
+    <IsSearchable xmlns="4873beb7-5857-4685-be1f-d57550cc96cc">true</IsSearchable>
+    <TemplateTemplateType xmlns="4873beb7-5857-4685-be1f-d57550cc96cc">PowerPoint Presentation Template</TemplateTemplateType>
+    <CampaignTagsTaxHTField0 xmlns="4873beb7-5857-4685-be1f-d57550cc96cc">
+      <Terms xmlns="http://schemas.microsoft.com/office/infopath/2007/PartnerControls"/>
+    </CampaignTagsTaxHTField0>
+    <TPNamespace xmlns="4873beb7-5857-4685-be1f-d57550cc96cc" xsi:nil="true"/>
+    <LocOverallPreviewStatusLookup xmlns="4873beb7-5857-4685-be1f-d57550cc96cc" xsi:nil="true"/>
+    <TaxCatchAll xmlns="4873beb7-5857-4685-be1f-d57550cc96cc"/>
+    <Markets xmlns="4873beb7-5857-4685-be1f-d57550cc96cc"/>
+    <UAProjectedTotalWords xmlns="4873beb7-5857-4685-be1f-d57550cc96cc" xsi:nil="true"/>
+    <IntlLangReview xmlns="4873beb7-5857-4685-be1f-d57550cc96cc" xsi:nil="true"/>
+    <OutputCachingOn xmlns="4873beb7-5857-4685-be1f-d57550cc96cc">false</OutputCachingOn>
+    <AverageRating xmlns="4873beb7-5857-4685-be1f-d57550cc96cc" xsi:nil="true"/>
+    <APAuthor xmlns="4873beb7-5857-4685-be1f-d57550cc96cc">
+      <UserInfo>
+        <DisplayName>REDMOND\kristaa</DisplayName>
+        <AccountId>136</AccountId>
+        <AccountType/>
+      </UserInfo>
+    </APAuthor>
+    <LocManualTestRequired xmlns="4873beb7-5857-4685-be1f-d57550cc96cc">false</LocManualTestRequired>
+    <TPCommandLine xmlns="4873beb7-5857-4685-be1f-d57550cc96cc" xsi:nil="true"/>
+    <TPAppVersion xmlns="4873beb7-5857-4685-be1f-d57550cc96cc" xsi:nil="true"/>
+    <EditorialStatus xmlns="4873beb7-5857-4685-be1f-d57550cc96cc">Complete</EditorialStatus>
+    <LastModifiedDateTime xmlns="4873beb7-5857-4685-be1f-d57550cc96cc" xsi:nil="true"/>
+    <ScenarioTagsTaxHTField0 xmlns="4873beb7-5857-4685-be1f-d57550cc96cc">
+      <Terms xmlns="http://schemas.microsoft.com/office/infopath/2007/PartnerControls"/>
+    </ScenarioTagsTaxHTField0>
+    <LocProcessedForMarketsLookup xmlns="4873beb7-5857-4685-be1f-d57550cc96cc" xsi:nil="true"/>
+    <TPLaunchHelpLinkType xmlns="4873beb7-5857-4685-be1f-d57550cc96cc">Template</TPLaunchHelpLinkType>
+    <OriginalRelease xmlns="4873beb7-5857-4685-be1f-d57550cc96cc">15</OriginalRelease>
+    <LocalizationTagsTaxHTField0 xmlns="4873beb7-5857-4685-be1f-d57550cc96cc">
+      <Terms xmlns="http://schemas.microsoft.com/office/infopath/2007/PartnerControls"/>
+    </LocalizationTagsTaxHTField0>
+    <UACurrentWords xmlns="4873beb7-5857-4685-be1f-d57550cc96cc" xsi:nil="true"/>
+    <ArtSampleDocs xmlns="4873beb7-5857-4685-be1f-d57550cc96cc" xsi:nil="true"/>
+    <UALocRecommendation xmlns="4873beb7-5857-4685-be1f-d57550cc96cc">Localize</UALocRecommendation>
+    <Manager xmlns="4873beb7-5857-4685-be1f-d57550cc96cc" xsi:nil="true"/>
+    <LocOverallHandbackStatusLookup xmlns="4873beb7-5857-4685-be1f-d57550cc96cc" xsi:nil="true"/>
+    <ShowIn xmlns="4873beb7-5857-4685-be1f-d57550cc96cc">Show everywhere</ShowIn>
+    <UANotes xmlns="4873beb7-5857-4685-be1f-d57550cc96cc" xsi:nil="true"/>
+    <InternalTagsTaxHTField0 xmlns="4873beb7-5857-4685-be1f-d57550cc96cc">
+      <Terms xmlns="http://schemas.microsoft.com/office/infopath/2007/PartnerControls"/>
+    </InternalTagsTaxHTField0>
+    <CSXHash xmlns="4873beb7-5857-4685-be1f-d57550cc96cc" xsi:nil="true"/>
+    <VoteCount xmlns="4873beb7-5857-4685-be1f-d57550cc96cc" xsi:nil="true"/>
+    <AssetExpire xmlns="4873beb7-5857-4685-be1f-d57550cc96cc">2029-05-12T07:00:00+00:00</AssetExpire>
+    <DSATActionTaken xmlns="4873beb7-5857-4685-be1f-d57550cc96cc" xsi:nil="true"/>
+    <CSXSubmissionMarket xmlns="4873beb7-5857-4685-be1f-d57550cc96cc" xsi:nil="true"/>
+    <LocMarketGroupTiers2 xmlns="4873beb7-5857-4685-be1f-d57550cc96cc" xsi:nil="true"/>
+  </documentManagement>
+</p:properties>
+</file>
+
+<file path=customXml/item2.xml><?xml version="1.0" encoding="utf-8"?>
 <?mso-contentType ?>
 <FormTemplates xmlns="http://schemas.microsoft.com/sharepoint/v3/contenttype/forms">
   <Display>DocumentLibraryForm</Display>
@@ -9517,7 +9933,7 @@
 </FormTemplates>
 </file>
 
-<file path=customXml/item2.xml><?xml version="1.0" encoding="utf-8"?>
+<file path=customXml/item3.xml><?xml version="1.0" encoding="utf-8"?>
 <ct:contentTypeSchema xmlns:ct="http://schemas.microsoft.com/office/2006/metadata/contentType" xmlns:ma="http://schemas.microsoft.com/office/2006/metadata/properties/metaAttributes" ct:_="" ma:_="" ma:contentTypeName="TemplateFile" ma:contentTypeID="0x0101006EDDDB5EE6D98C44930B742096920B300400F5B6D36B3EF94B4E9A635CDF2A18F5B8" ma:contentTypeVersion="72" ma:contentTypeDescription="Create a new document." ma:contentTypeScope="" ma:versionID="a23e56308344d904b51738559c3d67c9">
   <xsd:schema xmlns:xsd="http://www.w3.org/2001/XMLSchema" xmlns:xs="http://www.w3.org/2001/XMLSchema" xmlns:p="http://schemas.microsoft.com/office/2006/metadata/properties" xmlns:ns2="4873beb7-5857-4685-be1f-d57550cc96cc" targetNamespace="http://schemas.microsoft.com/office/2006/metadata/properties" ma:root="true" ma:fieldsID="cd0908cc4600e77bf5da051303e00c8d" ns2:_="">
     <xsd:import namespace="4873beb7-5857-4685-be1f-d57550cc96cc"/>
@@ -10557,143 +10973,23 @@
 </ct:contentTypeSchema>
 </file>
 
-<file path=customXml/item3.xml><?xml version="1.0" encoding="utf-8"?>
-<p:properties xmlns:p="http://schemas.microsoft.com/office/2006/metadata/properties" xmlns:xsi="http://www.w3.org/2001/XMLSchema-instance" xmlns:pc="http://schemas.microsoft.com/office/infopath/2007/PartnerControls">
-  <documentManagement>
-    <LocPublishedLinkedAssetsLookup xmlns="4873beb7-5857-4685-be1f-d57550cc96cc" xsi:nil="true"/>
-    <ApprovalStatus xmlns="4873beb7-5857-4685-be1f-d57550cc96cc">InProgress</ApprovalStatus>
-    <MarketSpecific xmlns="4873beb7-5857-4685-be1f-d57550cc96cc">false</MarketSpecific>
-    <LocComments xmlns="4873beb7-5857-4685-be1f-d57550cc96cc" xsi:nil="true"/>
-    <LocLastLocAttemptVersionTypeLookup xmlns="4873beb7-5857-4685-be1f-d57550cc96cc" xsi:nil="true"/>
-    <DirectSourceMarket xmlns="4873beb7-5857-4685-be1f-d57550cc96cc" xsi:nil="true"/>
-    <ThumbnailAssetId xmlns="4873beb7-5857-4685-be1f-d57550cc96cc" xsi:nil="true"/>
-    <PrimaryImageGen xmlns="4873beb7-5857-4685-be1f-d57550cc96cc">false</PrimaryImageGen>
-    <LocNewPublishedVersionLookup xmlns="4873beb7-5857-4685-be1f-d57550cc96cc" xsi:nil="true"/>
-    <LegacyData xmlns="4873beb7-5857-4685-be1f-d57550cc96cc" xsi:nil="true"/>
-    <LocRecommendedHandoff xmlns="4873beb7-5857-4685-be1f-d57550cc96cc" xsi:nil="true"/>
-    <BusinessGroup xmlns="4873beb7-5857-4685-be1f-d57550cc96cc" xsi:nil="true"/>
-    <BlockPublish xmlns="4873beb7-5857-4685-be1f-d57550cc96cc">false</BlockPublish>
-    <TPFriendlyName xmlns="4873beb7-5857-4685-be1f-d57550cc96cc" xsi:nil="true"/>
-    <LocOverallPublishStatusLookup xmlns="4873beb7-5857-4685-be1f-d57550cc96cc" xsi:nil="true"/>
-    <NumericId xmlns="4873beb7-5857-4685-be1f-d57550cc96cc" xsi:nil="true"/>
-    <APEditor xmlns="4873beb7-5857-4685-be1f-d57550cc96cc">
-      <UserInfo>
-        <DisplayName/>
-        <AccountId xsi:nil="true"/>
-        <AccountType/>
-      </UserInfo>
-    </APEditor>
-    <SourceTitle xmlns="4873beb7-5857-4685-be1f-d57550cc96cc" xsi:nil="true"/>
-    <OpenTemplate xmlns="4873beb7-5857-4685-be1f-d57550cc96cc">true</OpenTemplate>
-    <LocOverallLocStatusLookup xmlns="4873beb7-5857-4685-be1f-d57550cc96cc" xsi:nil="true"/>
-    <UALocComments xmlns="4873beb7-5857-4685-be1f-d57550cc96cc" xsi:nil="true"/>
-    <ParentAssetId xmlns="4873beb7-5857-4685-be1f-d57550cc96cc" xsi:nil="true"/>
-    <IntlLangReviewDate xmlns="4873beb7-5857-4685-be1f-d57550cc96cc" xsi:nil="true"/>
-    <FeatureTagsTaxHTField0 xmlns="4873beb7-5857-4685-be1f-d57550cc96cc">
-      <Terms xmlns="http://schemas.microsoft.com/office/infopath/2007/PartnerControls"/>
-    </FeatureTagsTaxHTField0>
-    <PublishStatusLookup xmlns="4873beb7-5857-4685-be1f-d57550cc96cc">
-      <Value>1345093</Value>
-    </PublishStatusLookup>
-    <Providers xmlns="4873beb7-5857-4685-be1f-d57550cc96cc" xsi:nil="true"/>
-    <MachineTranslated xmlns="4873beb7-5857-4685-be1f-d57550cc96cc">false</MachineTranslated>
-    <OriginalSourceMarket xmlns="4873beb7-5857-4685-be1f-d57550cc96cc" xsi:nil="true"/>
-    <APDescription xmlns="4873beb7-5857-4685-be1f-d57550cc96cc">This simple template design works for technology and  businesses, but it's versatile enough to use in other contexts.  It features multiple slide layouts designed for widescreen (16x9 resolution) and includes a sample SmartArt list and chart that are easily editable.</APDescription>
-    <ClipArtFilename xmlns="4873beb7-5857-4685-be1f-d57550cc96cc" xsi:nil="true"/>
-    <ContentItem xmlns="4873beb7-5857-4685-be1f-d57550cc96cc" xsi:nil="true"/>
-    <TPInstallLocation xmlns="4873beb7-5857-4685-be1f-d57550cc96cc" xsi:nil="true"/>
-    <PublishTargets xmlns="4873beb7-5857-4685-be1f-d57550cc96cc">OfficeOnlineVNext</PublishTargets>
-    <TimesCloned xmlns="4873beb7-5857-4685-be1f-d57550cc96cc" xsi:nil="true"/>
-    <AssetStart xmlns="4873beb7-5857-4685-be1f-d57550cc96cc">2011-11-26T00:30:00+00:00</AssetStart>
-    <Provider xmlns="4873beb7-5857-4685-be1f-d57550cc96cc" xsi:nil="true"/>
-    <AcquiredFrom xmlns="4873beb7-5857-4685-be1f-d57550cc96cc">Internal MS</AcquiredFrom>
-    <FriendlyTitle xmlns="4873beb7-5857-4685-be1f-d57550cc96cc" xsi:nil="true"/>
-    <LastHandOff xmlns="4873beb7-5857-4685-be1f-d57550cc96cc" xsi:nil="true"/>
-    <TPClientViewer xmlns="4873beb7-5857-4685-be1f-d57550cc96cc" xsi:nil="true"/>
-    <TemplateStatus xmlns="4873beb7-5857-4685-be1f-d57550cc96cc">Complete</TemplateStatus>
-    <Downloads xmlns="4873beb7-5857-4685-be1f-d57550cc96cc">0</Downloads>
-    <OOCacheId xmlns="4873beb7-5857-4685-be1f-d57550cc96cc" xsi:nil="true"/>
-    <IsDeleted xmlns="4873beb7-5857-4685-be1f-d57550cc96cc">false</IsDeleted>
-    <LocPublishedDependentAssetsLookup xmlns="4873beb7-5857-4685-be1f-d57550cc96cc" xsi:nil="true"/>
-    <TPExecutable xmlns="4873beb7-5857-4685-be1f-d57550cc96cc" xsi:nil="true"/>
-    <EditorialTags xmlns="4873beb7-5857-4685-be1f-d57550cc96cc" xsi:nil="true"/>
-    <SubmitterId xmlns="4873beb7-5857-4685-be1f-d57550cc96cc" xsi:nil="true"/>
-    <ApprovalLog xmlns="4873beb7-5857-4685-be1f-d57550cc96cc" xsi:nil="true"/>
-    <AssetType xmlns="4873beb7-5857-4685-be1f-d57550cc96cc">TP</AssetType>
-    <BugNumber xmlns="4873beb7-5857-4685-be1f-d57550cc96cc" xsi:nil="true"/>
-    <CSXSubmissionDate xmlns="4873beb7-5857-4685-be1f-d57550cc96cc" xsi:nil="true"/>
-    <CSXUpdate xmlns="4873beb7-5857-4685-be1f-d57550cc96cc">false</CSXUpdate>
-    <Milestone xmlns="4873beb7-5857-4685-be1f-d57550cc96cc" xsi:nil="true"/>
-    <RecommendationsModifier xmlns="4873beb7-5857-4685-be1f-d57550cc96cc" xsi:nil="true"/>
-    <OriginAsset xmlns="4873beb7-5857-4685-be1f-d57550cc96cc" xsi:nil="true"/>
-    <TPComponent xmlns="4873beb7-5857-4685-be1f-d57550cc96cc" xsi:nil="true"/>
-    <AssetId xmlns="4873beb7-5857-4685-be1f-d57550cc96cc">TP102787989</AssetId>
-    <IntlLocPriority xmlns="4873beb7-5857-4685-be1f-d57550cc96cc" xsi:nil="true"/>
-    <PolicheckWords xmlns="4873beb7-5857-4685-be1f-d57550cc96cc" xsi:nil="true"/>
-    <TPLaunchHelpLink xmlns="4873beb7-5857-4685-be1f-d57550cc96cc" xsi:nil="true"/>
-    <TPApplication xmlns="4873beb7-5857-4685-be1f-d57550cc96cc" xsi:nil="true"/>
-    <CrawlForDependencies xmlns="4873beb7-5857-4685-be1f-d57550cc96cc">false</CrawlForDependencies>
-    <HandoffToMSDN xmlns="4873beb7-5857-4685-be1f-d57550cc96cc" xsi:nil="true"/>
-    <PlannedPubDate xmlns="4873beb7-5857-4685-be1f-d57550cc96cc" xsi:nil="true"/>
-    <IntlLangReviewer xmlns="4873beb7-5857-4685-be1f-d57550cc96cc" xsi:nil="true"/>
-    <TrustLevel xmlns="4873beb7-5857-4685-be1f-d57550cc96cc">1 Microsoft Managed Content</TrustLevel>
-    <LocLastLocAttemptVersionLookup xmlns="4873beb7-5857-4685-be1f-d57550cc96cc">694266</LocLastLocAttemptVersionLookup>
-    <LocProcessedForHandoffsLookup xmlns="4873beb7-5857-4685-be1f-d57550cc96cc" xsi:nil="true"/>
-    <IsSearchable xmlns="4873beb7-5857-4685-be1f-d57550cc96cc">true</IsSearchable>
-    <TemplateTemplateType xmlns="4873beb7-5857-4685-be1f-d57550cc96cc">PowerPoint Presentation Template</TemplateTemplateType>
-    <CampaignTagsTaxHTField0 xmlns="4873beb7-5857-4685-be1f-d57550cc96cc">
-      <Terms xmlns="http://schemas.microsoft.com/office/infopath/2007/PartnerControls"/>
-    </CampaignTagsTaxHTField0>
-    <TPNamespace xmlns="4873beb7-5857-4685-be1f-d57550cc96cc" xsi:nil="true"/>
-    <LocOverallPreviewStatusLookup xmlns="4873beb7-5857-4685-be1f-d57550cc96cc" xsi:nil="true"/>
-    <TaxCatchAll xmlns="4873beb7-5857-4685-be1f-d57550cc96cc"/>
-    <Markets xmlns="4873beb7-5857-4685-be1f-d57550cc96cc"/>
-    <UAProjectedTotalWords xmlns="4873beb7-5857-4685-be1f-d57550cc96cc" xsi:nil="true"/>
-    <IntlLangReview xmlns="4873beb7-5857-4685-be1f-d57550cc96cc" xsi:nil="true"/>
-    <OutputCachingOn xmlns="4873beb7-5857-4685-be1f-d57550cc96cc">false</OutputCachingOn>
-    <AverageRating xmlns="4873beb7-5857-4685-be1f-d57550cc96cc" xsi:nil="true"/>
-    <APAuthor xmlns="4873beb7-5857-4685-be1f-d57550cc96cc">
-      <UserInfo>
-        <DisplayName>REDMOND\kristaa</DisplayName>
-        <AccountId>136</AccountId>
-        <AccountType/>
-      </UserInfo>
-    </APAuthor>
-    <LocManualTestRequired xmlns="4873beb7-5857-4685-be1f-d57550cc96cc">false</LocManualTestRequired>
-    <TPCommandLine xmlns="4873beb7-5857-4685-be1f-d57550cc96cc" xsi:nil="true"/>
-    <TPAppVersion xmlns="4873beb7-5857-4685-be1f-d57550cc96cc" xsi:nil="true"/>
-    <EditorialStatus xmlns="4873beb7-5857-4685-be1f-d57550cc96cc">Complete</EditorialStatus>
-    <LastModifiedDateTime xmlns="4873beb7-5857-4685-be1f-d57550cc96cc" xsi:nil="true"/>
-    <ScenarioTagsTaxHTField0 xmlns="4873beb7-5857-4685-be1f-d57550cc96cc">
-      <Terms xmlns="http://schemas.microsoft.com/office/infopath/2007/PartnerControls"/>
-    </ScenarioTagsTaxHTField0>
-    <LocProcessedForMarketsLookup xmlns="4873beb7-5857-4685-be1f-d57550cc96cc" xsi:nil="true"/>
-    <TPLaunchHelpLinkType xmlns="4873beb7-5857-4685-be1f-d57550cc96cc">Template</TPLaunchHelpLinkType>
-    <OriginalRelease xmlns="4873beb7-5857-4685-be1f-d57550cc96cc">15</OriginalRelease>
-    <LocalizationTagsTaxHTField0 xmlns="4873beb7-5857-4685-be1f-d57550cc96cc">
-      <Terms xmlns="http://schemas.microsoft.com/office/infopath/2007/PartnerControls"/>
-    </LocalizationTagsTaxHTField0>
-    <UACurrentWords xmlns="4873beb7-5857-4685-be1f-d57550cc96cc" xsi:nil="true"/>
-    <ArtSampleDocs xmlns="4873beb7-5857-4685-be1f-d57550cc96cc" xsi:nil="true"/>
-    <UALocRecommendation xmlns="4873beb7-5857-4685-be1f-d57550cc96cc">Localize</UALocRecommendation>
-    <Manager xmlns="4873beb7-5857-4685-be1f-d57550cc96cc" xsi:nil="true"/>
-    <LocOverallHandbackStatusLookup xmlns="4873beb7-5857-4685-be1f-d57550cc96cc" xsi:nil="true"/>
-    <ShowIn xmlns="4873beb7-5857-4685-be1f-d57550cc96cc">Show everywhere</ShowIn>
-    <UANotes xmlns="4873beb7-5857-4685-be1f-d57550cc96cc" xsi:nil="true"/>
-    <InternalTagsTaxHTField0 xmlns="4873beb7-5857-4685-be1f-d57550cc96cc">
-      <Terms xmlns="http://schemas.microsoft.com/office/infopath/2007/PartnerControls"/>
-    </InternalTagsTaxHTField0>
-    <CSXHash xmlns="4873beb7-5857-4685-be1f-d57550cc96cc" xsi:nil="true"/>
-    <VoteCount xmlns="4873beb7-5857-4685-be1f-d57550cc96cc" xsi:nil="true"/>
-    <AssetExpire xmlns="4873beb7-5857-4685-be1f-d57550cc96cc">2029-05-12T07:00:00+00:00</AssetExpire>
-    <DSATActionTaken xmlns="4873beb7-5857-4685-be1f-d57550cc96cc" xsi:nil="true"/>
-    <CSXSubmissionMarket xmlns="4873beb7-5857-4685-be1f-d57550cc96cc" xsi:nil="true"/>
-    <LocMarketGroupTiers2 xmlns="4873beb7-5857-4685-be1f-d57550cc96cc" xsi:nil="true"/>
-  </documentManagement>
-</p:properties>
+<file path=customXml/itemProps1.xml><?xml version="1.0" encoding="utf-8"?>
+<ds:datastoreItem xmlns:ds="http://schemas.openxmlformats.org/officeDocument/2006/customXml" ds:itemID="{60C67BEE-D13F-4BD2-98A5-34D8A0977F68}">
+  <ds:schemaRefs>
+    <ds:schemaRef ds:uri="http://purl.org/dc/elements/1.1/"/>
+    <ds:schemaRef ds:uri="http://schemas.microsoft.com/office/2006/documentManagement/types"/>
+    <ds:schemaRef ds:uri="http://purl.org/dc/terms/"/>
+    <ds:schemaRef ds:uri="http://www.w3.org/XML/1998/namespace"/>
+    <ds:schemaRef ds:uri="http://schemas.microsoft.com/office/infopath/2007/PartnerControls"/>
+    <ds:schemaRef ds:uri="http://purl.org/dc/dcmitype/"/>
+    <ds:schemaRef ds:uri="4873beb7-5857-4685-be1f-d57550cc96cc"/>
+    <ds:schemaRef ds:uri="http://schemas.openxmlformats.org/package/2006/metadata/core-properties"/>
+    <ds:schemaRef ds:uri="http://schemas.microsoft.com/office/2006/metadata/properties"/>
+  </ds:schemaRefs>
+</ds:datastoreItem>
 </file>
 
-<file path=customXml/itemProps1.xml><?xml version="1.0" encoding="utf-8"?>
+<file path=customXml/itemProps2.xml><?xml version="1.0" encoding="utf-8"?>
 <ds:datastoreItem xmlns:ds="http://schemas.openxmlformats.org/officeDocument/2006/customXml" ds:itemID="{3836F65B-1B07-41EE-A0E8-BC6EF3855225}">
   <ds:schemaRefs>
     <ds:schemaRef ds:uri="http://schemas.microsoft.com/sharepoint/v3/contenttype/forms"/>
@@ -10701,7 +10997,7 @@
 </ds:datastoreItem>
 </file>
 
-<file path=customXml/itemProps2.xml><?xml version="1.0" encoding="utf-8"?>
+<file path=customXml/itemProps3.xml><?xml version="1.0" encoding="utf-8"?>
 <ds:datastoreItem xmlns:ds="http://schemas.openxmlformats.org/officeDocument/2006/customXml" ds:itemID="{A09BF4D4-EF60-4196-BFC3-9462D607978C}">
   <ds:schemaRefs>
     <ds:schemaRef ds:uri="http://schemas.microsoft.com/office/2006/metadata/contentType"/>
@@ -10717,20 +11013,4 @@
     <ds:schemaRef ds:uri="http://schemas.microsoft.com/internal/obd"/>
   </ds:schemaRefs>
 </ds:datastoreItem>
-</file>
-
-<file path=customXml/itemProps3.xml><?xml version="1.0" encoding="utf-8"?>
-<ds:datastoreItem xmlns:ds="http://schemas.openxmlformats.org/officeDocument/2006/customXml" ds:itemID="{60C67BEE-D13F-4BD2-98A5-34D8A0977F68}">
-  <ds:schemaRefs>
-    <ds:schemaRef ds:uri="4873beb7-5857-4685-be1f-d57550cc96cc"/>
-    <ds:schemaRef ds:uri="http://schemas.openxmlformats.org/package/2006/metadata/core-properties"/>
-    <ds:schemaRef ds:uri="http://purl.org/dc/terms/"/>
-    <ds:schemaRef ds:uri="http://schemas.microsoft.com/office/2006/documentManagement/types"/>
-    <ds:schemaRef ds:uri="http://purl.org/dc/elements/1.1/"/>
-    <ds:schemaRef ds:uri="http://schemas.microsoft.com/office/2006/metadata/properties"/>
-    <ds:schemaRef ds:uri="http://schemas.microsoft.com/office/infopath/2007/PartnerControls"/>
-    <ds:schemaRef ds:uri="http://www.w3.org/XML/1998/namespace"/>
-    <ds:schemaRef ds:uri="http://purl.org/dc/dcmitype/"/>
-  </ds:schemaRefs>
-</ds:datastoreItem>
 </file>